--- a/assets/kremlin2.pptx
+++ b/assets/kremlin2.pptx
@@ -104,6 +104,11 @@
       </a:defRPr>
     </a:lvl9pPr>
   </p:defaultTextStyle>
+  <p:extLst>
+    <p:ext uri="{EFAFB233-063F-42B5-8137-9DF3F51BA10A}">
+      <p15:sldGuideLst xmlns:p15="http://schemas.microsoft.com/office/powerpoint/2012/main"/>
+    </p:ext>
+  </p:extLst>
 </p:presentation>
 </file>
 
@@ -238,7 +243,7 @@
           <a:p>
             <a:fld id="{0275A1AF-1BD9-4A7A-BF7E-68516572FB46}" type="datetimeFigureOut">
               <a:rPr lang="ru-RU" smtClean="0"/>
-              <a:t>22.10.2016</a:t>
+              <a:t>23.10.2016</a:t>
             </a:fld>
             <a:endParaRPr lang="ru-RU"/>
           </a:p>
@@ -408,7 +413,7 @@
           <a:p>
             <a:fld id="{0275A1AF-1BD9-4A7A-BF7E-68516572FB46}" type="datetimeFigureOut">
               <a:rPr lang="ru-RU" smtClean="0"/>
-              <a:t>22.10.2016</a:t>
+              <a:t>23.10.2016</a:t>
             </a:fld>
             <a:endParaRPr lang="ru-RU"/>
           </a:p>
@@ -588,7 +593,7 @@
           <a:p>
             <a:fld id="{0275A1AF-1BD9-4A7A-BF7E-68516572FB46}" type="datetimeFigureOut">
               <a:rPr lang="ru-RU" smtClean="0"/>
-              <a:t>22.10.2016</a:t>
+              <a:t>23.10.2016</a:t>
             </a:fld>
             <a:endParaRPr lang="ru-RU"/>
           </a:p>
@@ -758,7 +763,7 @@
           <a:p>
             <a:fld id="{0275A1AF-1BD9-4A7A-BF7E-68516572FB46}" type="datetimeFigureOut">
               <a:rPr lang="ru-RU" smtClean="0"/>
-              <a:t>22.10.2016</a:t>
+              <a:t>23.10.2016</a:t>
             </a:fld>
             <a:endParaRPr lang="ru-RU"/>
           </a:p>
@@ -1002,7 +1007,7 @@
           <a:p>
             <a:fld id="{0275A1AF-1BD9-4A7A-BF7E-68516572FB46}" type="datetimeFigureOut">
               <a:rPr lang="ru-RU" smtClean="0"/>
-              <a:t>22.10.2016</a:t>
+              <a:t>23.10.2016</a:t>
             </a:fld>
             <a:endParaRPr lang="ru-RU"/>
           </a:p>
@@ -1234,7 +1239,7 @@
           <a:p>
             <a:fld id="{0275A1AF-1BD9-4A7A-BF7E-68516572FB46}" type="datetimeFigureOut">
               <a:rPr lang="ru-RU" smtClean="0"/>
-              <a:t>22.10.2016</a:t>
+              <a:t>23.10.2016</a:t>
             </a:fld>
             <a:endParaRPr lang="ru-RU"/>
           </a:p>
@@ -1601,7 +1606,7 @@
           <a:p>
             <a:fld id="{0275A1AF-1BD9-4A7A-BF7E-68516572FB46}" type="datetimeFigureOut">
               <a:rPr lang="ru-RU" smtClean="0"/>
-              <a:t>22.10.2016</a:t>
+              <a:t>23.10.2016</a:t>
             </a:fld>
             <a:endParaRPr lang="ru-RU"/>
           </a:p>
@@ -1719,7 +1724,7 @@
           <a:p>
             <a:fld id="{0275A1AF-1BD9-4A7A-BF7E-68516572FB46}" type="datetimeFigureOut">
               <a:rPr lang="ru-RU" smtClean="0"/>
-              <a:t>22.10.2016</a:t>
+              <a:t>23.10.2016</a:t>
             </a:fld>
             <a:endParaRPr lang="ru-RU"/>
           </a:p>
@@ -1814,7 +1819,7 @@
           <a:p>
             <a:fld id="{0275A1AF-1BD9-4A7A-BF7E-68516572FB46}" type="datetimeFigureOut">
               <a:rPr lang="ru-RU" smtClean="0"/>
-              <a:t>22.10.2016</a:t>
+              <a:t>23.10.2016</a:t>
             </a:fld>
             <a:endParaRPr lang="ru-RU"/>
           </a:p>
@@ -2091,7 +2096,7 @@
           <a:p>
             <a:fld id="{0275A1AF-1BD9-4A7A-BF7E-68516572FB46}" type="datetimeFigureOut">
               <a:rPr lang="ru-RU" smtClean="0"/>
-              <a:t>22.10.2016</a:t>
+              <a:t>23.10.2016</a:t>
             </a:fld>
             <a:endParaRPr lang="ru-RU"/>
           </a:p>
@@ -2348,7 +2353,7 @@
           <a:p>
             <a:fld id="{0275A1AF-1BD9-4A7A-BF7E-68516572FB46}" type="datetimeFigureOut">
               <a:rPr lang="ru-RU" smtClean="0"/>
-              <a:t>22.10.2016</a:t>
+              <a:t>23.10.2016</a:t>
             </a:fld>
             <a:endParaRPr lang="ru-RU"/>
           </a:p>
@@ -2561,7 +2566,7 @@
           <a:p>
             <a:fld id="{0275A1AF-1BD9-4A7A-BF7E-68516572FB46}" type="datetimeFigureOut">
               <a:rPr lang="ru-RU" smtClean="0"/>
-              <a:t>22.10.2016</a:t>
+              <a:t>23.10.2016</a:t>
             </a:fld>
             <a:endParaRPr lang="ru-RU"/>
           </a:p>
@@ -3027,6 +3032,59 @@
           </a:prstGeom>
         </p:spPr>
       </p:pic>
+      <p:sp>
+        <p:nvSpPr>
+          <p:cNvPr id="5" name="Прямоугольник 4"/>
+          <p:cNvSpPr/>
+          <p:nvPr/>
+        </p:nvSpPr>
+        <p:spPr>
+          <a:xfrm>
+            <a:off x="0" y="6205591"/>
+            <a:ext cx="10664575" cy="1374337"/>
+          </a:xfrm>
+          <a:prstGeom prst="rect">
+            <a:avLst/>
+          </a:prstGeom>
+          <a:solidFill>
+            <a:schemeClr val="accent1">
+              <a:alpha val="77000"/>
+            </a:schemeClr>
+          </a:solidFill>
+          <a:ln>
+            <a:noFill/>
+          </a:ln>
+        </p:spPr>
+        <p:style>
+          <a:lnRef idx="2">
+            <a:schemeClr val="accent1">
+              <a:shade val="50000"/>
+            </a:schemeClr>
+          </a:lnRef>
+          <a:fillRef idx="1">
+            <a:schemeClr val="accent1"/>
+          </a:fillRef>
+          <a:effectRef idx="0">
+            <a:schemeClr val="accent1"/>
+          </a:effectRef>
+          <a:fontRef idx="minor">
+            <a:schemeClr val="lt1"/>
+          </a:fontRef>
+        </p:style>
+        <p:txBody>
+          <a:bodyPr rtlCol="0" anchor="ctr"/>
+          <a:lstStyle/>
+          <a:p>
+            <a:pPr algn="ctr"/>
+            <a:r>
+              <a:rPr lang="ru-RU" sz="2400" dirty="0">
+                <a:latin typeface="Trebuchet MS" panose="020B0603020202020204" pitchFamily="34" charset="0"/>
+              </a:rPr>
+              <a:t>Продолжается прием заявок по всем номинациям </a:t>
+            </a:r>
+          </a:p>
+        </p:txBody>
+      </p:sp>
     </p:spTree>
     <p:extLst>
       <p:ext uri="{BB962C8B-B14F-4D97-AF65-F5344CB8AC3E}">
